--- a/Documentation/Praesentation/Chris.pptx
+++ b/Documentation/Praesentation/Chris.pptx
@@ -4492,7 +4492,7 @@
         </p:blipFill>
         <p:spPr>
           <a:xfrm>
-            <a:off x="5796136" y="2780928"/>
+            <a:off x="5436096" y="3140968"/>
             <a:ext cx="2057400" cy="2790825"/>
           </a:xfrm>
           <a:prstGeom prst="rect">
